--- a/M6_Punteros/Punteros.pptx
+++ b/M6_Punteros/Punteros.pptx
@@ -5,12 +5,14 @@
     <p:sldMasterId id="2147483660" r:id="rId1"/>
   </p:sldMasterIdLst>
   <p:notesMasterIdLst>
-    <p:notesMasterId r:id="rId5"/>
+    <p:notesMasterId r:id="rId7"/>
   </p:notesMasterIdLst>
   <p:sldIdLst>
     <p:sldId id="256" r:id="rId2"/>
     <p:sldId id="257" r:id="rId3"/>
     <p:sldId id="258" r:id="rId4"/>
+    <p:sldId id="259" r:id="rId5"/>
+    <p:sldId id="260" r:id="rId6"/>
   </p:sldIdLst>
   <p:sldSz cx="9144000" cy="6858000" type="screen4x3"/>
   <p:notesSz cx="6858000" cy="9144000"/>
@@ -109,6 +111,11 @@
       </a:defRPr>
     </a:lvl9pPr>
   </p:defaultTextStyle>
+  <p:extLst>
+    <p:ext uri="{EFAFB233-063F-42B5-8137-9DF3F51BA10A}">
+      <p15:sldGuideLst xmlns:p15="http://schemas.microsoft.com/office/powerpoint/2012/main"/>
+    </p:ext>
+  </p:extLst>
 </p:presentation>
 </file>
 
@@ -460,6 +467,90 @@
     </a:lvl9pPr>
   </p:notesStyle>
 </p:notesMaster>
+</file>
+
+<file path=ppt/notesSlides/notesSlide1.xml><?xml version="1.0" encoding="utf-8"?>
+<p:notes xmlns:a="http://schemas.openxmlformats.org/drawingml/2006/main" xmlns:r="http://schemas.openxmlformats.org/officeDocument/2006/relationships" xmlns:p="http://schemas.openxmlformats.org/presentationml/2006/main">
+  <p:cSld>
+    <p:spTree>
+      <p:nvGrpSpPr>
+        <p:cNvPr id="1" name=""/>
+        <p:cNvGrpSpPr/>
+        <p:nvPr/>
+      </p:nvGrpSpPr>
+      <p:grpSpPr>
+        <a:xfrm>
+          <a:off x="0" y="0"/>
+          <a:ext cx="0" cy="0"/>
+          <a:chOff x="0" y="0"/>
+          <a:chExt cx="0" cy="0"/>
+        </a:xfrm>
+      </p:grpSpPr>
+      <p:sp>
+        <p:nvSpPr>
+          <p:cNvPr id="2" name="Marcador de imagen de diapositiva 1"/>
+          <p:cNvSpPr>
+            <a:spLocks noGrp="1" noRot="1" noChangeAspect="1"/>
+          </p:cNvSpPr>
+          <p:nvPr>
+            <p:ph type="sldImg"/>
+          </p:nvPr>
+        </p:nvSpPr>
+        <p:spPr/>
+      </p:sp>
+      <p:sp>
+        <p:nvSpPr>
+          <p:cNvPr id="3" name="Marcador de notas 2"/>
+          <p:cNvSpPr>
+            <a:spLocks noGrp="1"/>
+          </p:cNvSpPr>
+          <p:nvPr>
+            <p:ph type="body" idx="1"/>
+          </p:nvPr>
+        </p:nvSpPr>
+        <p:spPr/>
+        <p:txBody>
+          <a:bodyPr/>
+          <a:lstStyle/>
+          <a:p>
+            <a:endParaRPr lang="es-CO"/>
+          </a:p>
+        </p:txBody>
+      </p:sp>
+      <p:sp>
+        <p:nvSpPr>
+          <p:cNvPr id="4" name="Marcador de número de diapositiva 3"/>
+          <p:cNvSpPr>
+            <a:spLocks noGrp="1"/>
+          </p:cNvSpPr>
+          <p:nvPr>
+            <p:ph type="sldNum" sz="quarter" idx="10"/>
+          </p:nvPr>
+        </p:nvSpPr>
+        <p:spPr/>
+        <p:txBody>
+          <a:bodyPr/>
+          <a:lstStyle/>
+          <a:p>
+            <a:fld id="{4A727B44-DA0A-4EA2-B851-2352CE06A7FC}" type="slidenum">
+              <a:rPr lang="es-CO" smtClean="0"/>
+              <a:t>4</a:t>
+            </a:fld>
+            <a:endParaRPr lang="es-CO"/>
+          </a:p>
+        </p:txBody>
+      </p:sp>
+    </p:spTree>
+    <p:extLst>
+      <p:ext uri="{BB962C8B-B14F-4D97-AF65-F5344CB8AC3E}">
+        <p14:creationId xmlns:p14="http://schemas.microsoft.com/office/powerpoint/2010/main" val="1381559399"/>
+      </p:ext>
+    </p:extLst>
+  </p:cSld>
+  <p:clrMapOvr>
+    <a:masterClrMapping/>
+  </p:clrMapOvr>
+</p:notes>
 </file>
 
 <file path=ppt/slideLayouts/slideLayout1.xml><?xml version="1.0" encoding="utf-8"?>
@@ -4818,11 +4909,7 @@
             </a:r>
             <a:r>
               <a:rPr lang="pt-BR"/>
-              <a:t>(int</a:t>
-            </a:r>
-            <a:r>
-              <a:rPr lang="pt-BR"/>
-              <a:t> </a:t>
+              <a:t>(int </a:t>
             </a:r>
             <a:r>
               <a:rPr lang="pt-BR" smtClean="0">
@@ -4838,11 +4925,7 @@
             </a:r>
             <a:r>
               <a:rPr lang="pt-BR"/>
-              <a:t>;</a:t>
-            </a:r>
-            <a:r>
-              <a:rPr lang="pt-BR"/>
-              <a:t> </a:t>
+              <a:t>; </a:t>
             </a:r>
             <a:r>
               <a:rPr lang="pt-BR" smtClean="0">
@@ -4872,19 +4955,7 @@
           <a:p>
             <a:r>
               <a:rPr lang="pt-BR"/>
-              <a:t>        cout &lt;&lt;</a:t>
-            </a:r>
-            <a:r>
-              <a:rPr lang="pt-BR"/>
-              <a:t> </a:t>
-            </a:r>
-            <a:r>
-              <a:rPr lang="pt-BR"/>
-              <a:t> *dir_num++ &lt;&lt; </a:t>
-            </a:r>
-            <a:r>
-              <a:rPr lang="pt-BR"/>
-              <a:t>endl</a:t>
+              <a:t>        cout &lt;&lt;  *dir_num++ &lt;&lt; endl</a:t>
             </a:r>
             <a:r>
               <a:rPr lang="pt-BR" smtClean="0"/>
@@ -5856,6 +5927,2689 @@
       <p:bldP spid="42" grpId="0" animBg="1"/>
       <p:bldP spid="16" grpId="0" animBg="1"/>
     </p:bldLst>
+  </p:timing>
+</p:sld>
+</file>
+
+<file path=ppt/slides/slide4.xml><?xml version="1.0" encoding="utf-8"?>
+<p:sld xmlns:a="http://schemas.openxmlformats.org/drawingml/2006/main" xmlns:r="http://schemas.openxmlformats.org/officeDocument/2006/relationships" xmlns:p="http://schemas.openxmlformats.org/presentationml/2006/main">
+  <p:cSld>
+    <p:spTree>
+      <p:nvGrpSpPr>
+        <p:cNvPr id="1" name=""/>
+        <p:cNvGrpSpPr/>
+        <p:nvPr/>
+      </p:nvGrpSpPr>
+      <p:grpSpPr>
+        <a:xfrm>
+          <a:off x="0" y="0"/>
+          <a:ext cx="0" cy="0"/>
+          <a:chOff x="0" y="0"/>
+          <a:chExt cx="0" cy="0"/>
+        </a:xfrm>
+      </p:grpSpPr>
+      <p:sp>
+        <p:nvSpPr>
+          <p:cNvPr id="2" name="Marcador de pie de página 1"/>
+          <p:cNvSpPr>
+            <a:spLocks noGrp="1"/>
+          </p:cNvSpPr>
+          <p:nvPr>
+            <p:ph type="ftr" sz="quarter" idx="11"/>
+          </p:nvPr>
+        </p:nvSpPr>
+        <p:spPr/>
+        <p:txBody>
+          <a:bodyPr/>
+          <a:lstStyle/>
+          <a:p>
+            <a:endParaRPr lang="es-CO"/>
+          </a:p>
+        </p:txBody>
+      </p:sp>
+      <p:sp>
+        <p:nvSpPr>
+          <p:cNvPr id="3" name="Marcador de número de diapositiva 2"/>
+          <p:cNvSpPr>
+            <a:spLocks noGrp="1"/>
+          </p:cNvSpPr>
+          <p:nvPr>
+            <p:ph type="sldNum" sz="quarter" idx="12"/>
+          </p:nvPr>
+        </p:nvSpPr>
+        <p:spPr/>
+        <p:txBody>
+          <a:bodyPr/>
+          <a:lstStyle/>
+          <a:p>
+            <a:fld id="{23FF065C-4BBA-4AE7-BFD5-672B217FF8DE}" type="slidenum">
+              <a:rPr lang="es-CO" smtClean="0"/>
+              <a:t>4</a:t>
+            </a:fld>
+            <a:endParaRPr lang="es-CO"/>
+          </a:p>
+        </p:txBody>
+      </p:sp>
+      <p:sp>
+        <p:nvSpPr>
+          <p:cNvPr id="4" name="CuadroTexto 3"/>
+          <p:cNvSpPr txBox="1"/>
+          <p:nvPr/>
+        </p:nvSpPr>
+        <p:spPr>
+          <a:xfrm>
+            <a:off x="304800" y="327954"/>
+            <a:ext cx="1626151" cy="461665"/>
+          </a:xfrm>
+          <a:prstGeom prst="rect">
+            <a:avLst/>
+          </a:prstGeom>
+          <a:noFill/>
+        </p:spPr>
+        <p:txBody>
+          <a:bodyPr wrap="none" rtlCol="0">
+            <a:spAutoFit/>
+          </a:bodyPr>
+          <a:lstStyle/>
+          <a:p>
+            <a:r>
+              <a:rPr lang="es-ES" sz="2400" b="1" smtClean="0"/>
+              <a:t>Script N.º </a:t>
+            </a:r>
+            <a:r>
+              <a:rPr lang="es-ES" sz="2400" b="1"/>
+              <a:t>5</a:t>
+            </a:r>
+            <a:endParaRPr lang="es-CO" sz="2400" b="1"/>
+          </a:p>
+        </p:txBody>
+      </p:sp>
+      <p:sp>
+        <p:nvSpPr>
+          <p:cNvPr id="5" name="Rectángulo 4"/>
+          <p:cNvSpPr/>
+          <p:nvPr/>
+        </p:nvSpPr>
+        <p:spPr>
+          <a:xfrm>
+            <a:off x="3028950" y="3366661"/>
+            <a:ext cx="1080000" cy="568031"/>
+          </a:xfrm>
+          <a:prstGeom prst="rect">
+            <a:avLst/>
+          </a:prstGeom>
+          <a:solidFill>
+            <a:schemeClr val="bg1"/>
+          </a:solidFill>
+          <a:ln>
+            <a:solidFill>
+              <a:schemeClr val="tx1"/>
+            </a:solidFill>
+          </a:ln>
+        </p:spPr>
+        <p:style>
+          <a:lnRef idx="2">
+            <a:schemeClr val="accent1">
+              <a:shade val="50000"/>
+            </a:schemeClr>
+          </a:lnRef>
+          <a:fillRef idx="1">
+            <a:schemeClr val="accent1"/>
+          </a:fillRef>
+          <a:effectRef idx="0">
+            <a:schemeClr val="accent1"/>
+          </a:effectRef>
+          <a:fontRef idx="minor">
+            <a:schemeClr val="lt1"/>
+          </a:fontRef>
+        </p:style>
+        <p:txBody>
+          <a:bodyPr rtlCol="0" anchor="ctr"/>
+          <a:lstStyle/>
+          <a:p>
+            <a:pPr algn="ctr"/>
+            <a:endParaRPr lang="es-CO">
+              <a:solidFill>
+                <a:schemeClr val="tx1"/>
+              </a:solidFill>
+            </a:endParaRPr>
+          </a:p>
+        </p:txBody>
+      </p:sp>
+      <p:sp>
+        <p:nvSpPr>
+          <p:cNvPr id="6" name="Rectángulo 5"/>
+          <p:cNvSpPr/>
+          <p:nvPr/>
+        </p:nvSpPr>
+        <p:spPr>
+          <a:xfrm>
+            <a:off x="4108950" y="3366657"/>
+            <a:ext cx="1080000" cy="568031"/>
+          </a:xfrm>
+          <a:prstGeom prst="rect">
+            <a:avLst/>
+          </a:prstGeom>
+          <a:solidFill>
+            <a:schemeClr val="bg1"/>
+          </a:solidFill>
+          <a:ln>
+            <a:solidFill>
+              <a:schemeClr val="tx1"/>
+            </a:solidFill>
+          </a:ln>
+        </p:spPr>
+        <p:style>
+          <a:lnRef idx="2">
+            <a:schemeClr val="accent1">
+              <a:shade val="50000"/>
+            </a:schemeClr>
+          </a:lnRef>
+          <a:fillRef idx="1">
+            <a:schemeClr val="accent1"/>
+          </a:fillRef>
+          <a:effectRef idx="0">
+            <a:schemeClr val="accent1"/>
+          </a:effectRef>
+          <a:fontRef idx="minor">
+            <a:schemeClr val="lt1"/>
+          </a:fontRef>
+        </p:style>
+        <p:txBody>
+          <a:bodyPr rtlCol="0" anchor="ctr"/>
+          <a:lstStyle/>
+          <a:p>
+            <a:pPr algn="ctr"/>
+            <a:endParaRPr lang="es-CO">
+              <a:solidFill>
+                <a:schemeClr val="tx1"/>
+              </a:solidFill>
+            </a:endParaRPr>
+          </a:p>
+        </p:txBody>
+      </p:sp>
+      <p:sp>
+        <p:nvSpPr>
+          <p:cNvPr id="7" name="Rectángulo 6"/>
+          <p:cNvSpPr/>
+          <p:nvPr/>
+        </p:nvSpPr>
+        <p:spPr>
+          <a:xfrm>
+            <a:off x="5188950" y="3366657"/>
+            <a:ext cx="1080000" cy="568031"/>
+          </a:xfrm>
+          <a:prstGeom prst="rect">
+            <a:avLst/>
+          </a:prstGeom>
+          <a:solidFill>
+            <a:schemeClr val="bg1"/>
+          </a:solidFill>
+          <a:ln>
+            <a:solidFill>
+              <a:schemeClr val="tx1"/>
+            </a:solidFill>
+          </a:ln>
+        </p:spPr>
+        <p:style>
+          <a:lnRef idx="2">
+            <a:schemeClr val="accent1">
+              <a:shade val="50000"/>
+            </a:schemeClr>
+          </a:lnRef>
+          <a:fillRef idx="1">
+            <a:schemeClr val="accent1"/>
+          </a:fillRef>
+          <a:effectRef idx="0">
+            <a:schemeClr val="accent1"/>
+          </a:effectRef>
+          <a:fontRef idx="minor">
+            <a:schemeClr val="lt1"/>
+          </a:fontRef>
+        </p:style>
+        <p:txBody>
+          <a:bodyPr rtlCol="0" anchor="ctr"/>
+          <a:lstStyle/>
+          <a:p>
+            <a:pPr algn="ctr"/>
+            <a:endParaRPr lang="es-CO">
+              <a:solidFill>
+                <a:schemeClr val="tx1"/>
+              </a:solidFill>
+            </a:endParaRPr>
+          </a:p>
+        </p:txBody>
+      </p:sp>
+      <p:sp>
+        <p:nvSpPr>
+          <p:cNvPr id="8" name="Rectángulo 7"/>
+          <p:cNvSpPr/>
+          <p:nvPr/>
+        </p:nvSpPr>
+        <p:spPr>
+          <a:xfrm>
+            <a:off x="6268950" y="3366657"/>
+            <a:ext cx="1080000" cy="568031"/>
+          </a:xfrm>
+          <a:prstGeom prst="rect">
+            <a:avLst/>
+          </a:prstGeom>
+          <a:solidFill>
+            <a:schemeClr val="bg1"/>
+          </a:solidFill>
+          <a:ln>
+            <a:solidFill>
+              <a:schemeClr val="tx1"/>
+            </a:solidFill>
+          </a:ln>
+        </p:spPr>
+        <p:style>
+          <a:lnRef idx="2">
+            <a:schemeClr val="accent1">
+              <a:shade val="50000"/>
+            </a:schemeClr>
+          </a:lnRef>
+          <a:fillRef idx="1">
+            <a:schemeClr val="accent1"/>
+          </a:fillRef>
+          <a:effectRef idx="0">
+            <a:schemeClr val="accent1"/>
+          </a:effectRef>
+          <a:fontRef idx="minor">
+            <a:schemeClr val="lt1"/>
+          </a:fontRef>
+        </p:style>
+        <p:txBody>
+          <a:bodyPr rtlCol="0" anchor="ctr"/>
+          <a:lstStyle/>
+          <a:p>
+            <a:pPr algn="ctr"/>
+            <a:endParaRPr lang="es-CO">
+              <a:solidFill>
+                <a:schemeClr val="tx1"/>
+              </a:solidFill>
+            </a:endParaRPr>
+          </a:p>
+        </p:txBody>
+      </p:sp>
+      <p:sp>
+        <p:nvSpPr>
+          <p:cNvPr id="9" name="Rectángulo 8"/>
+          <p:cNvSpPr/>
+          <p:nvPr/>
+        </p:nvSpPr>
+        <p:spPr>
+          <a:xfrm>
+            <a:off x="7348950" y="3366656"/>
+            <a:ext cx="1080000" cy="568031"/>
+          </a:xfrm>
+          <a:prstGeom prst="rect">
+            <a:avLst/>
+          </a:prstGeom>
+          <a:solidFill>
+            <a:schemeClr val="bg1"/>
+          </a:solidFill>
+          <a:ln>
+            <a:solidFill>
+              <a:schemeClr val="tx1"/>
+            </a:solidFill>
+          </a:ln>
+        </p:spPr>
+        <p:style>
+          <a:lnRef idx="2">
+            <a:schemeClr val="accent1">
+              <a:shade val="50000"/>
+            </a:schemeClr>
+          </a:lnRef>
+          <a:fillRef idx="1">
+            <a:schemeClr val="accent1"/>
+          </a:fillRef>
+          <a:effectRef idx="0">
+            <a:schemeClr val="accent1"/>
+          </a:effectRef>
+          <a:fontRef idx="minor">
+            <a:schemeClr val="lt1"/>
+          </a:fontRef>
+        </p:style>
+        <p:txBody>
+          <a:bodyPr rtlCol="0" anchor="ctr"/>
+          <a:lstStyle/>
+          <a:p>
+            <a:pPr algn="ctr"/>
+            <a:endParaRPr lang="es-CO">
+              <a:solidFill>
+                <a:schemeClr val="tx1"/>
+              </a:solidFill>
+            </a:endParaRPr>
+          </a:p>
+        </p:txBody>
+      </p:sp>
+      <p:sp>
+        <p:nvSpPr>
+          <p:cNvPr id="10" name="Rectángulo 9"/>
+          <p:cNvSpPr/>
+          <p:nvPr/>
+        </p:nvSpPr>
+        <p:spPr>
+          <a:xfrm>
+            <a:off x="3028950" y="3934687"/>
+            <a:ext cx="1080000" cy="353943"/>
+          </a:xfrm>
+          <a:prstGeom prst="rect">
+            <a:avLst/>
+          </a:prstGeom>
+        </p:spPr>
+        <p:txBody>
+          <a:bodyPr wrap="square">
+            <a:spAutoFit/>
+          </a:bodyPr>
+          <a:lstStyle/>
+          <a:p>
+            <a:pPr algn="ctr"/>
+            <a:r>
+              <a:rPr lang="es-ES" sz="1700" smtClean="0">
+                <a:solidFill>
+                  <a:schemeClr val="tx1"/>
+                </a:solidFill>
+              </a:rPr>
+              <a:t>0x307FB0</a:t>
+            </a:r>
+            <a:endParaRPr lang="es-CO" sz="1700"/>
+          </a:p>
+        </p:txBody>
+      </p:sp>
+      <p:sp>
+        <p:nvSpPr>
+          <p:cNvPr id="11" name="Rectángulo 10"/>
+          <p:cNvSpPr/>
+          <p:nvPr/>
+        </p:nvSpPr>
+        <p:spPr>
+          <a:xfrm>
+            <a:off x="4108950" y="3934687"/>
+            <a:ext cx="1080000" cy="353943"/>
+          </a:xfrm>
+          <a:prstGeom prst="rect">
+            <a:avLst/>
+          </a:prstGeom>
+        </p:spPr>
+        <p:txBody>
+          <a:bodyPr wrap="square">
+            <a:spAutoFit/>
+          </a:bodyPr>
+          <a:lstStyle/>
+          <a:p>
+            <a:pPr algn="ctr"/>
+            <a:r>
+              <a:rPr lang="es-ES" sz="1700" smtClean="0"/>
+              <a:t>0x307FB4</a:t>
+            </a:r>
+            <a:endParaRPr lang="es-CO" sz="1700"/>
+          </a:p>
+        </p:txBody>
+      </p:sp>
+      <p:sp>
+        <p:nvSpPr>
+          <p:cNvPr id="12" name="Rectángulo 11"/>
+          <p:cNvSpPr/>
+          <p:nvPr/>
+        </p:nvSpPr>
+        <p:spPr>
+          <a:xfrm>
+            <a:off x="5188950" y="3934687"/>
+            <a:ext cx="1080000" cy="353943"/>
+          </a:xfrm>
+          <a:prstGeom prst="rect">
+            <a:avLst/>
+          </a:prstGeom>
+        </p:spPr>
+        <p:txBody>
+          <a:bodyPr wrap="square">
+            <a:spAutoFit/>
+          </a:bodyPr>
+          <a:lstStyle/>
+          <a:p>
+            <a:pPr algn="ctr"/>
+            <a:r>
+              <a:rPr lang="es-ES" sz="1700" smtClean="0"/>
+              <a:t>0x307FB8</a:t>
+            </a:r>
+            <a:endParaRPr lang="es-CO" sz="1700"/>
+          </a:p>
+        </p:txBody>
+      </p:sp>
+      <p:sp>
+        <p:nvSpPr>
+          <p:cNvPr id="13" name="Rectángulo 12"/>
+          <p:cNvSpPr/>
+          <p:nvPr/>
+        </p:nvSpPr>
+        <p:spPr>
+          <a:xfrm>
+            <a:off x="6268950" y="3934687"/>
+            <a:ext cx="1080000" cy="353943"/>
+          </a:xfrm>
+          <a:prstGeom prst="rect">
+            <a:avLst/>
+          </a:prstGeom>
+        </p:spPr>
+        <p:txBody>
+          <a:bodyPr wrap="square">
+            <a:spAutoFit/>
+          </a:bodyPr>
+          <a:lstStyle/>
+          <a:p>
+            <a:pPr algn="ctr"/>
+            <a:r>
+              <a:rPr lang="es-ES" sz="1700" smtClean="0"/>
+              <a:t>0x307FBC</a:t>
+            </a:r>
+            <a:endParaRPr lang="es-CO" sz="1700"/>
+          </a:p>
+        </p:txBody>
+      </p:sp>
+      <p:sp>
+        <p:nvSpPr>
+          <p:cNvPr id="14" name="Rectángulo 13"/>
+          <p:cNvSpPr/>
+          <p:nvPr/>
+        </p:nvSpPr>
+        <p:spPr>
+          <a:xfrm>
+            <a:off x="7348950" y="3934687"/>
+            <a:ext cx="1080000" cy="353943"/>
+          </a:xfrm>
+          <a:prstGeom prst="rect">
+            <a:avLst/>
+          </a:prstGeom>
+        </p:spPr>
+        <p:txBody>
+          <a:bodyPr wrap="square">
+            <a:spAutoFit/>
+          </a:bodyPr>
+          <a:lstStyle/>
+          <a:p>
+            <a:pPr algn="ctr"/>
+            <a:r>
+              <a:rPr lang="es-ES" sz="1700" smtClean="0"/>
+              <a:t>0x307FC0</a:t>
+            </a:r>
+            <a:endParaRPr lang="es-CO" sz="1700"/>
+          </a:p>
+        </p:txBody>
+      </p:sp>
+      <p:sp>
+        <p:nvSpPr>
+          <p:cNvPr id="15" name="Rectángulo 14"/>
+          <p:cNvSpPr/>
+          <p:nvPr/>
+        </p:nvSpPr>
+        <p:spPr>
+          <a:xfrm>
+            <a:off x="781021" y="5306302"/>
+            <a:ext cx="1033923" cy="338554"/>
+          </a:xfrm>
+          <a:prstGeom prst="rect">
+            <a:avLst/>
+          </a:prstGeom>
+        </p:spPr>
+        <p:txBody>
+          <a:bodyPr wrap="square">
+            <a:spAutoFit/>
+          </a:bodyPr>
+          <a:lstStyle/>
+          <a:p>
+            <a:pPr algn="ctr"/>
+            <a:r>
+              <a:rPr lang="es-ES" sz="1600" smtClean="0">
+                <a:solidFill>
+                  <a:schemeClr val="tx1"/>
+                </a:solidFill>
+              </a:rPr>
+              <a:t>0x4A5038</a:t>
+            </a:r>
+            <a:endParaRPr lang="es-CO" sz="1600"/>
+          </a:p>
+        </p:txBody>
+      </p:sp>
+      <p:sp>
+        <p:nvSpPr>
+          <p:cNvPr id="16" name="Rectángulo 15"/>
+          <p:cNvSpPr/>
+          <p:nvPr/>
+        </p:nvSpPr>
+        <p:spPr>
+          <a:xfrm>
+            <a:off x="571500" y="4465916"/>
+            <a:ext cx="1460500" cy="369332"/>
+          </a:xfrm>
+          <a:prstGeom prst="rect">
+            <a:avLst/>
+          </a:prstGeom>
+        </p:spPr>
+        <p:txBody>
+          <a:bodyPr wrap="square">
+            <a:spAutoFit/>
+          </a:bodyPr>
+          <a:lstStyle/>
+          <a:p>
+            <a:pPr algn="ctr"/>
+            <a:r>
+              <a:rPr lang="es-ES" b="1" smtClean="0">
+                <a:solidFill>
+                  <a:schemeClr val="tx1"/>
+                </a:solidFill>
+              </a:rPr>
+              <a:t>*vec_notes</a:t>
+            </a:r>
+            <a:endParaRPr lang="es-CO" b="1"/>
+          </a:p>
+        </p:txBody>
+      </p:sp>
+      <p:cxnSp>
+        <p:nvCxnSpPr>
+          <p:cNvPr id="17" name="Conector angular 16"/>
+          <p:cNvCxnSpPr>
+            <a:endCxn id="10" idx="1"/>
+          </p:cNvCxnSpPr>
+          <p:nvPr/>
+        </p:nvCxnSpPr>
+        <p:spPr>
+          <a:xfrm flipV="1">
+            <a:off x="1814945" y="4111659"/>
+            <a:ext cx="1214005" cy="959116"/>
+          </a:xfrm>
+          <a:prstGeom prst="bentConnector3">
+            <a:avLst/>
+          </a:prstGeom>
+          <a:ln>
+            <a:solidFill>
+              <a:schemeClr val="tx1"/>
+            </a:solidFill>
+            <a:tailEnd type="triangle" w="lg" len="lg"/>
+          </a:ln>
+        </p:spPr>
+        <p:style>
+          <a:lnRef idx="1">
+            <a:schemeClr val="accent1"/>
+          </a:lnRef>
+          <a:fillRef idx="0">
+            <a:schemeClr val="accent1"/>
+          </a:fillRef>
+          <a:effectRef idx="0">
+            <a:schemeClr val="accent1"/>
+          </a:effectRef>
+          <a:fontRef idx="minor">
+            <a:schemeClr val="tx1"/>
+          </a:fontRef>
+        </p:style>
+      </p:cxnSp>
+      <p:sp>
+        <p:nvSpPr>
+          <p:cNvPr id="18" name="Rectángulo 17"/>
+          <p:cNvSpPr/>
+          <p:nvPr/>
+        </p:nvSpPr>
+        <p:spPr>
+          <a:xfrm>
+            <a:off x="3028950" y="3091473"/>
+            <a:ext cx="1080000" cy="276999"/>
+          </a:xfrm>
+          <a:prstGeom prst="rect">
+            <a:avLst/>
+          </a:prstGeom>
+        </p:spPr>
+        <p:txBody>
+          <a:bodyPr wrap="square">
+            <a:spAutoFit/>
+          </a:bodyPr>
+          <a:lstStyle/>
+          <a:p>
+            <a:pPr algn="ctr"/>
+            <a:r>
+              <a:rPr lang="es-ES" sz="1200" b="1"/>
+              <a:t>vec_notes[0</a:t>
+            </a:r>
+            <a:r>
+              <a:rPr lang="es-ES" sz="1200" b="1" smtClean="0">
+                <a:solidFill>
+                  <a:schemeClr val="tx1"/>
+                </a:solidFill>
+              </a:rPr>
+              <a:t>]</a:t>
+            </a:r>
+            <a:endParaRPr lang="es-CO" sz="1200" b="1"/>
+          </a:p>
+        </p:txBody>
+      </p:sp>
+      <p:sp>
+        <p:nvSpPr>
+          <p:cNvPr id="60" name="CuadroTexto 59"/>
+          <p:cNvSpPr txBox="1"/>
+          <p:nvPr/>
+        </p:nvSpPr>
+        <p:spPr>
+          <a:xfrm>
+            <a:off x="5382917" y="270711"/>
+            <a:ext cx="2656183" cy="646331"/>
+          </a:xfrm>
+          <a:prstGeom prst="rect">
+            <a:avLst/>
+          </a:prstGeom>
+          <a:solidFill>
+            <a:schemeClr val="bg1"/>
+          </a:solidFill>
+        </p:spPr>
+        <p:txBody>
+          <a:bodyPr wrap="square" rtlCol="0">
+            <a:spAutoFit/>
+          </a:bodyPr>
+          <a:lstStyle/>
+          <a:p>
+            <a:r>
+              <a:rPr lang="es-ES" smtClean="0"/>
+              <a:t>int </a:t>
+            </a:r>
+            <a:r>
+              <a:rPr lang="es-ES" smtClean="0"/>
+              <a:t>N;</a:t>
+            </a:r>
+            <a:endParaRPr lang="es-ES" smtClean="0"/>
+          </a:p>
+          <a:p>
+            <a:r>
+              <a:rPr lang="es-ES" smtClean="0"/>
+              <a:t>float *vec_notes;</a:t>
+            </a:r>
+            <a:endParaRPr lang="es-ES" smtClean="0"/>
+          </a:p>
+        </p:txBody>
+      </p:sp>
+      <p:sp>
+        <p:nvSpPr>
+          <p:cNvPr id="61" name="CuadroTexto 60"/>
+          <p:cNvSpPr txBox="1"/>
+          <p:nvPr/>
+        </p:nvSpPr>
+        <p:spPr>
+          <a:xfrm>
+            <a:off x="5382917" y="917042"/>
+            <a:ext cx="2656183" cy="369332"/>
+          </a:xfrm>
+          <a:prstGeom prst="rect">
+            <a:avLst/>
+          </a:prstGeom>
+          <a:solidFill>
+            <a:schemeClr val="bg1"/>
+          </a:solidFill>
+        </p:spPr>
+        <p:txBody>
+          <a:bodyPr wrap="square" rtlCol="0">
+            <a:spAutoFit/>
+          </a:bodyPr>
+          <a:lstStyle/>
+          <a:p>
+            <a:r>
+              <a:rPr lang="es-CO" smtClean="0">
+                <a:solidFill>
+                  <a:srgbClr val="00B0F0"/>
+                </a:solidFill>
+              </a:rPr>
+              <a:t>vec_notes</a:t>
+            </a:r>
+            <a:r>
+              <a:rPr lang="es-CO"/>
+              <a:t> = </a:t>
+            </a:r>
+            <a:r>
+              <a:rPr lang="es-CO">
+                <a:solidFill>
+                  <a:srgbClr val="FF3399"/>
+                </a:solidFill>
+              </a:rPr>
+              <a:t>new</a:t>
+            </a:r>
+            <a:r>
+              <a:rPr lang="es-CO"/>
+              <a:t> </a:t>
+            </a:r>
+            <a:r>
+              <a:rPr lang="es-CO">
+                <a:solidFill>
+                  <a:srgbClr val="0070C0"/>
+                </a:solidFill>
+              </a:rPr>
+              <a:t>float</a:t>
+            </a:r>
+            <a:r>
+              <a:rPr lang="es-CO"/>
+              <a:t>[</a:t>
+            </a:r>
+            <a:r>
+              <a:rPr lang="es-CO">
+                <a:solidFill>
+                  <a:srgbClr val="00B0F0"/>
+                </a:solidFill>
+              </a:rPr>
+              <a:t>N</a:t>
+            </a:r>
+            <a:r>
+              <a:rPr lang="es-CO" smtClean="0"/>
+              <a:t>];</a:t>
+            </a:r>
+            <a:endParaRPr lang="es-CO"/>
+          </a:p>
+        </p:txBody>
+      </p:sp>
+      <p:sp>
+        <p:nvSpPr>
+          <p:cNvPr id="63" name="Rectángulo 62"/>
+          <p:cNvSpPr/>
+          <p:nvPr/>
+        </p:nvSpPr>
+        <p:spPr>
+          <a:xfrm>
+            <a:off x="4108950" y="3090564"/>
+            <a:ext cx="1080000" cy="276999"/>
+          </a:xfrm>
+          <a:prstGeom prst="rect">
+            <a:avLst/>
+          </a:prstGeom>
+        </p:spPr>
+        <p:txBody>
+          <a:bodyPr wrap="square">
+            <a:spAutoFit/>
+          </a:bodyPr>
+          <a:lstStyle/>
+          <a:p>
+            <a:pPr algn="ctr"/>
+            <a:r>
+              <a:rPr lang="es-ES" sz="1200" b="1" smtClean="0"/>
+              <a:t>vec_notes[1</a:t>
+            </a:r>
+            <a:r>
+              <a:rPr lang="es-ES" sz="1200" b="1" smtClean="0">
+                <a:solidFill>
+                  <a:schemeClr val="tx1"/>
+                </a:solidFill>
+              </a:rPr>
+              <a:t>]</a:t>
+            </a:r>
+            <a:endParaRPr lang="es-CO" sz="1200" b="1"/>
+          </a:p>
+        </p:txBody>
+      </p:sp>
+      <p:sp>
+        <p:nvSpPr>
+          <p:cNvPr id="64" name="Rectángulo 63"/>
+          <p:cNvSpPr/>
+          <p:nvPr/>
+        </p:nvSpPr>
+        <p:spPr>
+          <a:xfrm>
+            <a:off x="5188950" y="3077096"/>
+            <a:ext cx="1080000" cy="276999"/>
+          </a:xfrm>
+          <a:prstGeom prst="rect">
+            <a:avLst/>
+          </a:prstGeom>
+        </p:spPr>
+        <p:txBody>
+          <a:bodyPr wrap="square">
+            <a:spAutoFit/>
+          </a:bodyPr>
+          <a:lstStyle/>
+          <a:p>
+            <a:pPr algn="ctr"/>
+            <a:r>
+              <a:rPr lang="es-ES" sz="1200" b="1" smtClean="0"/>
+              <a:t>vec_notes[2</a:t>
+            </a:r>
+            <a:r>
+              <a:rPr lang="es-ES" sz="1200" b="1" smtClean="0">
+                <a:solidFill>
+                  <a:schemeClr val="tx1"/>
+                </a:solidFill>
+              </a:rPr>
+              <a:t>]</a:t>
+            </a:r>
+            <a:endParaRPr lang="es-CO" sz="1200" b="1"/>
+          </a:p>
+        </p:txBody>
+      </p:sp>
+      <p:sp>
+        <p:nvSpPr>
+          <p:cNvPr id="65" name="Rectángulo 64"/>
+          <p:cNvSpPr/>
+          <p:nvPr/>
+        </p:nvSpPr>
+        <p:spPr>
+          <a:xfrm>
+            <a:off x="6268950" y="3078249"/>
+            <a:ext cx="1080000" cy="276999"/>
+          </a:xfrm>
+          <a:prstGeom prst="rect">
+            <a:avLst/>
+          </a:prstGeom>
+        </p:spPr>
+        <p:txBody>
+          <a:bodyPr wrap="square">
+            <a:spAutoFit/>
+          </a:bodyPr>
+          <a:lstStyle/>
+          <a:p>
+            <a:pPr algn="ctr"/>
+            <a:r>
+              <a:rPr lang="es-ES" sz="1200" b="1" smtClean="0"/>
+              <a:t>vec_notes[3</a:t>
+            </a:r>
+            <a:r>
+              <a:rPr lang="es-ES" sz="1200" b="1" smtClean="0">
+                <a:solidFill>
+                  <a:schemeClr val="tx1"/>
+                </a:solidFill>
+              </a:rPr>
+              <a:t>]</a:t>
+            </a:r>
+            <a:endParaRPr lang="es-CO" sz="1200" b="1"/>
+          </a:p>
+        </p:txBody>
+      </p:sp>
+      <p:sp>
+        <p:nvSpPr>
+          <p:cNvPr id="66" name="Rectángulo 65"/>
+          <p:cNvSpPr/>
+          <p:nvPr/>
+        </p:nvSpPr>
+        <p:spPr>
+          <a:xfrm>
+            <a:off x="7348950" y="3090564"/>
+            <a:ext cx="1080000" cy="276999"/>
+          </a:xfrm>
+          <a:prstGeom prst="rect">
+            <a:avLst/>
+          </a:prstGeom>
+        </p:spPr>
+        <p:txBody>
+          <a:bodyPr wrap="square">
+            <a:spAutoFit/>
+          </a:bodyPr>
+          <a:lstStyle/>
+          <a:p>
+            <a:pPr algn="ctr"/>
+            <a:r>
+              <a:rPr lang="es-ES" sz="1200" b="1" smtClean="0"/>
+              <a:t>vec_notes[4</a:t>
+            </a:r>
+            <a:r>
+              <a:rPr lang="es-ES" sz="1200" b="1" smtClean="0">
+                <a:solidFill>
+                  <a:schemeClr val="tx1"/>
+                </a:solidFill>
+              </a:rPr>
+              <a:t>]</a:t>
+            </a:r>
+            <a:endParaRPr lang="es-CO" sz="1200" b="1"/>
+          </a:p>
+        </p:txBody>
+      </p:sp>
+      <p:sp>
+        <p:nvSpPr>
+          <p:cNvPr id="27" name="*dir_num"/>
+          <p:cNvSpPr/>
+          <p:nvPr/>
+        </p:nvSpPr>
+        <p:spPr>
+          <a:xfrm>
+            <a:off x="781021" y="4835248"/>
+            <a:ext cx="1033923" cy="471054"/>
+          </a:xfrm>
+          <a:prstGeom prst="rect">
+            <a:avLst/>
+          </a:prstGeom>
+          <a:solidFill>
+            <a:schemeClr val="bg1"/>
+          </a:solidFill>
+          <a:ln>
+            <a:solidFill>
+              <a:schemeClr val="tx1"/>
+            </a:solidFill>
+          </a:ln>
+        </p:spPr>
+        <p:style>
+          <a:lnRef idx="2">
+            <a:schemeClr val="accent1">
+              <a:shade val="50000"/>
+            </a:schemeClr>
+          </a:lnRef>
+          <a:fillRef idx="1">
+            <a:schemeClr val="accent1"/>
+          </a:fillRef>
+          <a:effectRef idx="0">
+            <a:schemeClr val="accent1"/>
+          </a:effectRef>
+          <a:fontRef idx="minor">
+            <a:schemeClr val="lt1"/>
+          </a:fontRef>
+        </p:style>
+        <p:txBody>
+          <a:bodyPr rtlCol="0" anchor="ctr"/>
+          <a:lstStyle/>
+          <a:p>
+            <a:pPr algn="ctr"/>
+            <a:endParaRPr lang="es-CO" sz="1700">
+              <a:solidFill>
+                <a:schemeClr val="tx1"/>
+              </a:solidFill>
+            </a:endParaRPr>
+          </a:p>
+        </p:txBody>
+      </p:sp>
+      <p:sp>
+        <p:nvSpPr>
+          <p:cNvPr id="62" name="dir_num[0]"/>
+          <p:cNvSpPr/>
+          <p:nvPr/>
+        </p:nvSpPr>
+        <p:spPr>
+          <a:xfrm>
+            <a:off x="781021" y="4835248"/>
+            <a:ext cx="1033923" cy="471054"/>
+          </a:xfrm>
+          <a:prstGeom prst="rect">
+            <a:avLst/>
+          </a:prstGeom>
+          <a:solidFill>
+            <a:schemeClr val="bg1"/>
+          </a:solidFill>
+          <a:ln>
+            <a:solidFill>
+              <a:schemeClr val="tx1"/>
+            </a:solidFill>
+          </a:ln>
+        </p:spPr>
+        <p:style>
+          <a:lnRef idx="2">
+            <a:schemeClr val="accent1">
+              <a:shade val="50000"/>
+            </a:schemeClr>
+          </a:lnRef>
+          <a:fillRef idx="1">
+            <a:schemeClr val="accent1"/>
+          </a:fillRef>
+          <a:effectRef idx="0">
+            <a:schemeClr val="accent1"/>
+          </a:effectRef>
+          <a:fontRef idx="minor">
+            <a:schemeClr val="lt1"/>
+          </a:fontRef>
+        </p:style>
+        <p:txBody>
+          <a:bodyPr rtlCol="0" anchor="ctr"/>
+          <a:lstStyle/>
+          <a:p>
+            <a:pPr algn="ctr"/>
+            <a:r>
+              <a:rPr lang="es-ES" sz="1600">
+                <a:solidFill>
+                  <a:schemeClr val="tx1"/>
+                </a:solidFill>
+              </a:rPr>
+              <a:t>0x307FB0</a:t>
+            </a:r>
+            <a:endParaRPr lang="es-CO" sz="1600">
+              <a:solidFill>
+                <a:schemeClr val="tx1"/>
+              </a:solidFill>
+            </a:endParaRPr>
+          </a:p>
+        </p:txBody>
+      </p:sp>
+      <p:grpSp>
+        <p:nvGrpSpPr>
+          <p:cNvPr id="72" name="Vectores_asignadaos"/>
+          <p:cNvGrpSpPr/>
+          <p:nvPr/>
+        </p:nvGrpSpPr>
+        <p:grpSpPr>
+          <a:xfrm>
+            <a:off x="3028950" y="3365359"/>
+            <a:ext cx="5400000" cy="568036"/>
+            <a:chOff x="3179100" y="5038472"/>
+            <a:chExt cx="5400000" cy="568036"/>
+          </a:xfrm>
+        </p:grpSpPr>
+        <p:sp>
+          <p:nvSpPr>
+            <p:cNvPr id="67" name="vec_notes[4]"/>
+            <p:cNvSpPr/>
+            <p:nvPr/>
+          </p:nvSpPr>
+          <p:spPr>
+            <a:xfrm>
+              <a:off x="3179100" y="5038477"/>
+              <a:ext cx="1080000" cy="568031"/>
+            </a:xfrm>
+            <a:prstGeom prst="rect">
+              <a:avLst/>
+            </a:prstGeom>
+            <a:solidFill>
+              <a:schemeClr val="bg1"/>
+            </a:solidFill>
+            <a:ln>
+              <a:solidFill>
+                <a:schemeClr val="tx1"/>
+              </a:solidFill>
+            </a:ln>
+          </p:spPr>
+          <p:style>
+            <a:lnRef idx="2">
+              <a:schemeClr val="accent1">
+                <a:shade val="50000"/>
+              </a:schemeClr>
+            </a:lnRef>
+            <a:fillRef idx="1">
+              <a:schemeClr val="accent1"/>
+            </a:fillRef>
+            <a:effectRef idx="0">
+              <a:schemeClr val="accent1"/>
+            </a:effectRef>
+            <a:fontRef idx="minor">
+              <a:schemeClr val="lt1"/>
+            </a:fontRef>
+          </p:style>
+          <p:txBody>
+            <a:bodyPr rtlCol="0" anchor="ctr"/>
+            <a:lstStyle/>
+            <a:p>
+              <a:pPr algn="ctr"/>
+              <a:r>
+                <a:rPr lang="es-ES" smtClean="0">
+                  <a:solidFill>
+                    <a:schemeClr val="tx1"/>
+                  </a:solidFill>
+                </a:rPr>
+                <a:t>1</a:t>
+              </a:r>
+              <a:endParaRPr lang="es-CO">
+                <a:solidFill>
+                  <a:schemeClr val="tx1"/>
+                </a:solidFill>
+              </a:endParaRPr>
+            </a:p>
+          </p:txBody>
+        </p:sp>
+        <p:sp>
+          <p:nvSpPr>
+            <p:cNvPr id="68" name="vec_notes[3]"/>
+            <p:cNvSpPr/>
+            <p:nvPr/>
+          </p:nvSpPr>
+          <p:spPr>
+            <a:xfrm>
+              <a:off x="4259100" y="5038473"/>
+              <a:ext cx="1080000" cy="568031"/>
+            </a:xfrm>
+            <a:prstGeom prst="rect">
+              <a:avLst/>
+            </a:prstGeom>
+            <a:solidFill>
+              <a:schemeClr val="bg1"/>
+            </a:solidFill>
+            <a:ln>
+              <a:solidFill>
+                <a:schemeClr val="tx1"/>
+              </a:solidFill>
+            </a:ln>
+          </p:spPr>
+          <p:style>
+            <a:lnRef idx="2">
+              <a:schemeClr val="accent1">
+                <a:shade val="50000"/>
+              </a:schemeClr>
+            </a:lnRef>
+            <a:fillRef idx="1">
+              <a:schemeClr val="accent1"/>
+            </a:fillRef>
+            <a:effectRef idx="0">
+              <a:schemeClr val="accent1"/>
+            </a:effectRef>
+            <a:fontRef idx="minor">
+              <a:schemeClr val="lt1"/>
+            </a:fontRef>
+          </p:style>
+          <p:txBody>
+            <a:bodyPr rtlCol="0" anchor="ctr"/>
+            <a:lstStyle/>
+            <a:p>
+              <a:pPr algn="ctr"/>
+              <a:r>
+                <a:rPr lang="es-ES" smtClean="0">
+                  <a:solidFill>
+                    <a:schemeClr val="tx1"/>
+                  </a:solidFill>
+                </a:rPr>
+                <a:t>2</a:t>
+              </a:r>
+              <a:endParaRPr lang="es-CO">
+                <a:solidFill>
+                  <a:schemeClr val="tx1"/>
+                </a:solidFill>
+              </a:endParaRPr>
+            </a:p>
+          </p:txBody>
+        </p:sp>
+        <p:sp>
+          <p:nvSpPr>
+            <p:cNvPr id="69" name="vec_notes[2]"/>
+            <p:cNvSpPr/>
+            <p:nvPr/>
+          </p:nvSpPr>
+          <p:spPr>
+            <a:xfrm>
+              <a:off x="5339100" y="5038473"/>
+              <a:ext cx="1080000" cy="568031"/>
+            </a:xfrm>
+            <a:prstGeom prst="rect">
+              <a:avLst/>
+            </a:prstGeom>
+            <a:solidFill>
+              <a:schemeClr val="bg1"/>
+            </a:solidFill>
+            <a:ln>
+              <a:solidFill>
+                <a:schemeClr val="tx1"/>
+              </a:solidFill>
+            </a:ln>
+          </p:spPr>
+          <p:style>
+            <a:lnRef idx="2">
+              <a:schemeClr val="accent1">
+                <a:shade val="50000"/>
+              </a:schemeClr>
+            </a:lnRef>
+            <a:fillRef idx="1">
+              <a:schemeClr val="accent1"/>
+            </a:fillRef>
+            <a:effectRef idx="0">
+              <a:schemeClr val="accent1"/>
+            </a:effectRef>
+            <a:fontRef idx="minor">
+              <a:schemeClr val="lt1"/>
+            </a:fontRef>
+          </p:style>
+          <p:txBody>
+            <a:bodyPr rtlCol="0" anchor="ctr"/>
+            <a:lstStyle/>
+            <a:p>
+              <a:pPr algn="ctr"/>
+              <a:r>
+                <a:rPr lang="es-ES" smtClean="0">
+                  <a:solidFill>
+                    <a:schemeClr val="tx1"/>
+                  </a:solidFill>
+                </a:rPr>
+                <a:t>3</a:t>
+              </a:r>
+              <a:endParaRPr lang="es-CO">
+                <a:solidFill>
+                  <a:schemeClr val="tx1"/>
+                </a:solidFill>
+              </a:endParaRPr>
+            </a:p>
+          </p:txBody>
+        </p:sp>
+        <p:sp>
+          <p:nvSpPr>
+            <p:cNvPr id="70" name="vec_notes[1]"/>
+            <p:cNvSpPr/>
+            <p:nvPr/>
+          </p:nvSpPr>
+          <p:spPr>
+            <a:xfrm>
+              <a:off x="6419100" y="5038473"/>
+              <a:ext cx="1080000" cy="568031"/>
+            </a:xfrm>
+            <a:prstGeom prst="rect">
+              <a:avLst/>
+            </a:prstGeom>
+            <a:solidFill>
+              <a:schemeClr val="bg1"/>
+            </a:solidFill>
+            <a:ln>
+              <a:solidFill>
+                <a:schemeClr val="tx1"/>
+              </a:solidFill>
+            </a:ln>
+          </p:spPr>
+          <p:style>
+            <a:lnRef idx="2">
+              <a:schemeClr val="accent1">
+                <a:shade val="50000"/>
+              </a:schemeClr>
+            </a:lnRef>
+            <a:fillRef idx="1">
+              <a:schemeClr val="accent1"/>
+            </a:fillRef>
+            <a:effectRef idx="0">
+              <a:schemeClr val="accent1"/>
+            </a:effectRef>
+            <a:fontRef idx="minor">
+              <a:schemeClr val="lt1"/>
+            </a:fontRef>
+          </p:style>
+          <p:txBody>
+            <a:bodyPr rtlCol="0" anchor="ctr"/>
+            <a:lstStyle/>
+            <a:p>
+              <a:pPr algn="ctr"/>
+              <a:r>
+                <a:rPr lang="es-ES" smtClean="0">
+                  <a:solidFill>
+                    <a:schemeClr val="tx1"/>
+                  </a:solidFill>
+                </a:rPr>
+                <a:t>4</a:t>
+              </a:r>
+              <a:endParaRPr lang="es-CO">
+                <a:solidFill>
+                  <a:schemeClr val="tx1"/>
+                </a:solidFill>
+              </a:endParaRPr>
+            </a:p>
+          </p:txBody>
+        </p:sp>
+        <p:sp>
+          <p:nvSpPr>
+            <p:cNvPr id="71" name="vec_notes[0]"/>
+            <p:cNvSpPr/>
+            <p:nvPr/>
+          </p:nvSpPr>
+          <p:spPr>
+            <a:xfrm>
+              <a:off x="7499100" y="5038472"/>
+              <a:ext cx="1080000" cy="568031"/>
+            </a:xfrm>
+            <a:prstGeom prst="rect">
+              <a:avLst/>
+            </a:prstGeom>
+            <a:solidFill>
+              <a:schemeClr val="bg1"/>
+            </a:solidFill>
+            <a:ln>
+              <a:solidFill>
+                <a:schemeClr val="tx1"/>
+              </a:solidFill>
+            </a:ln>
+          </p:spPr>
+          <p:style>
+            <a:lnRef idx="2">
+              <a:schemeClr val="accent1">
+                <a:shade val="50000"/>
+              </a:schemeClr>
+            </a:lnRef>
+            <a:fillRef idx="1">
+              <a:schemeClr val="accent1"/>
+            </a:fillRef>
+            <a:effectRef idx="0">
+              <a:schemeClr val="accent1"/>
+            </a:effectRef>
+            <a:fontRef idx="minor">
+              <a:schemeClr val="lt1"/>
+            </a:fontRef>
+          </p:style>
+          <p:txBody>
+            <a:bodyPr rtlCol="0" anchor="ctr"/>
+            <a:lstStyle/>
+            <a:p>
+              <a:pPr algn="ctr"/>
+              <a:r>
+                <a:rPr lang="es-ES" smtClean="0">
+                  <a:solidFill>
+                    <a:schemeClr val="tx1"/>
+                  </a:solidFill>
+                </a:rPr>
+                <a:t>5</a:t>
+              </a:r>
+              <a:endParaRPr lang="es-CO">
+                <a:solidFill>
+                  <a:schemeClr val="tx1"/>
+                </a:solidFill>
+              </a:endParaRPr>
+            </a:p>
+          </p:txBody>
+        </p:sp>
+      </p:grpSp>
+      <p:sp>
+        <p:nvSpPr>
+          <p:cNvPr id="73" name="Ciclo For - Sintax"/>
+          <p:cNvSpPr txBox="1"/>
+          <p:nvPr/>
+        </p:nvSpPr>
+        <p:spPr>
+          <a:xfrm>
+            <a:off x="5382917" y="1286374"/>
+            <a:ext cx="2656183" cy="1200329"/>
+          </a:xfrm>
+          <a:prstGeom prst="rect">
+            <a:avLst/>
+          </a:prstGeom>
+          <a:solidFill>
+            <a:schemeClr val="bg1"/>
+          </a:solidFill>
+        </p:spPr>
+        <p:txBody>
+          <a:bodyPr wrap="square" rtlCol="0">
+            <a:spAutoFit/>
+          </a:bodyPr>
+          <a:lstStyle/>
+          <a:p>
+            <a:r>
+              <a:rPr lang="it-IT"/>
+              <a:t>for (int i = 0; i &lt; </a:t>
+            </a:r>
+            <a:r>
+              <a:rPr lang="it-IT">
+                <a:solidFill>
+                  <a:srgbClr val="0070C0"/>
+                </a:solidFill>
+              </a:rPr>
+              <a:t>N</a:t>
+            </a:r>
+            <a:r>
+              <a:rPr lang="it-IT"/>
+              <a:t>; i++)</a:t>
+            </a:r>
+          </a:p>
+          <a:p>
+            <a:r>
+              <a:rPr lang="it-IT"/>
+              <a:t>   </a:t>
+            </a:r>
+            <a:r>
+              <a:rPr lang="it-IT"/>
+              <a:t> </a:t>
+            </a:r>
+            <a:r>
+              <a:rPr lang="it-IT" smtClean="0"/>
+              <a:t>{</a:t>
+            </a:r>
+            <a:endParaRPr lang="it-IT"/>
+          </a:p>
+          <a:p>
+            <a:r>
+              <a:rPr lang="it-IT"/>
+              <a:t>     </a:t>
+            </a:r>
+            <a:r>
+              <a:rPr lang="it-IT"/>
+              <a:t> </a:t>
+            </a:r>
+            <a:r>
+              <a:rPr lang="it-IT" smtClean="0">
+                <a:solidFill>
+                  <a:srgbClr val="00B0F0"/>
+                </a:solidFill>
+              </a:rPr>
+              <a:t>vec_notes</a:t>
+            </a:r>
+            <a:r>
+              <a:rPr lang="it-IT" smtClean="0"/>
+              <a:t>[i] = i + 1;</a:t>
+            </a:r>
+            <a:r>
+              <a:rPr lang="it-IT"/>
+              <a:t>  </a:t>
+            </a:r>
+          </a:p>
+          <a:p>
+            <a:r>
+              <a:rPr lang="it-IT"/>
+              <a:t>   </a:t>
+            </a:r>
+            <a:r>
+              <a:rPr lang="it-IT"/>
+              <a:t> </a:t>
+            </a:r>
+            <a:r>
+              <a:rPr lang="it-IT" smtClean="0"/>
+              <a:t>}</a:t>
+            </a:r>
+            <a:endParaRPr lang="it-IT"/>
+          </a:p>
+        </p:txBody>
+      </p:sp>
+    </p:spTree>
+    <p:extLst>
+      <p:ext uri="{BB962C8B-B14F-4D97-AF65-F5344CB8AC3E}">
+        <p14:creationId xmlns:p14="http://schemas.microsoft.com/office/powerpoint/2010/main" val="817491972"/>
+      </p:ext>
+    </p:extLst>
+  </p:cSld>
+  <p:clrMapOvr>
+    <a:masterClrMapping/>
+  </p:clrMapOvr>
+  <p:timing>
+    <p:tnLst>
+      <p:par>
+        <p:cTn id="1" dur="indefinite" restart="never" nodeType="tmRoot">
+          <p:childTnLst>
+            <p:seq concurrent="1" nextAc="seek">
+              <p:cTn id="2" dur="indefinite" nodeType="mainSeq">
+                <p:childTnLst>
+                  <p:par>
+                    <p:cTn id="3" fill="hold">
+                      <p:stCondLst>
+                        <p:cond delay="indefinite"/>
+                      </p:stCondLst>
+                      <p:childTnLst>
+                        <p:par>
+                          <p:cTn id="4" fill="hold">
+                            <p:stCondLst>
+                              <p:cond delay="0"/>
+                            </p:stCondLst>
+                            <p:childTnLst>
+                              <p:par>
+                                <p:cTn id="5" presetID="1" presetClass="entr" presetSubtype="0" fill="hold" grpId="0" nodeType="clickEffect">
+                                  <p:stCondLst>
+                                    <p:cond delay="0"/>
+                                  </p:stCondLst>
+                                  <p:childTnLst>
+                                    <p:set>
+                                      <p:cBhvr>
+                                        <p:cTn id="6" dur="1" fill="hold">
+                                          <p:stCondLst>
+                                            <p:cond delay="0"/>
+                                          </p:stCondLst>
+                                        </p:cTn>
+                                        <p:tgtEl>
+                                          <p:spTgt spid="61"/>
+                                        </p:tgtEl>
+                                        <p:attrNameLst>
+                                          <p:attrName>style.visibility</p:attrName>
+                                        </p:attrNameLst>
+                                      </p:cBhvr>
+                                      <p:to>
+                                        <p:strVal val="visible"/>
+                                      </p:to>
+                                    </p:set>
+                                  </p:childTnLst>
+                                </p:cTn>
+                              </p:par>
+                              <p:par>
+                                <p:cTn id="7" presetID="1" presetClass="entr" presetSubtype="0" fill="hold" grpId="0" nodeType="withEffect">
+                                  <p:stCondLst>
+                                    <p:cond delay="0"/>
+                                  </p:stCondLst>
+                                  <p:childTnLst>
+                                    <p:set>
+                                      <p:cBhvr>
+                                        <p:cTn id="8" dur="1" fill="hold">
+                                          <p:stCondLst>
+                                            <p:cond delay="0"/>
+                                          </p:stCondLst>
+                                        </p:cTn>
+                                        <p:tgtEl>
+                                          <p:spTgt spid="62"/>
+                                        </p:tgtEl>
+                                        <p:attrNameLst>
+                                          <p:attrName>style.visibility</p:attrName>
+                                        </p:attrNameLst>
+                                      </p:cBhvr>
+                                      <p:to>
+                                        <p:strVal val="visible"/>
+                                      </p:to>
+                                    </p:set>
+                                  </p:childTnLst>
+                                </p:cTn>
+                              </p:par>
+                              <p:par>
+                                <p:cTn id="9" presetID="1" presetClass="entr" presetSubtype="0" fill="hold" grpId="0" nodeType="withEffect">
+                                  <p:stCondLst>
+                                    <p:cond delay="0"/>
+                                  </p:stCondLst>
+                                  <p:childTnLst>
+                                    <p:set>
+                                      <p:cBhvr>
+                                        <p:cTn id="10" dur="1" fill="hold">
+                                          <p:stCondLst>
+                                            <p:cond delay="0"/>
+                                          </p:stCondLst>
+                                        </p:cTn>
+                                        <p:tgtEl>
+                                          <p:spTgt spid="5"/>
+                                        </p:tgtEl>
+                                        <p:attrNameLst>
+                                          <p:attrName>style.visibility</p:attrName>
+                                        </p:attrNameLst>
+                                      </p:cBhvr>
+                                      <p:to>
+                                        <p:strVal val="visible"/>
+                                      </p:to>
+                                    </p:set>
+                                  </p:childTnLst>
+                                </p:cTn>
+                              </p:par>
+                              <p:par>
+                                <p:cTn id="11" presetID="1" presetClass="entr" presetSubtype="0" fill="hold" grpId="0" nodeType="withEffect">
+                                  <p:stCondLst>
+                                    <p:cond delay="0"/>
+                                  </p:stCondLst>
+                                  <p:childTnLst>
+                                    <p:set>
+                                      <p:cBhvr>
+                                        <p:cTn id="12" dur="1" fill="hold">
+                                          <p:stCondLst>
+                                            <p:cond delay="0"/>
+                                          </p:stCondLst>
+                                        </p:cTn>
+                                        <p:tgtEl>
+                                          <p:spTgt spid="6"/>
+                                        </p:tgtEl>
+                                        <p:attrNameLst>
+                                          <p:attrName>style.visibility</p:attrName>
+                                        </p:attrNameLst>
+                                      </p:cBhvr>
+                                      <p:to>
+                                        <p:strVal val="visible"/>
+                                      </p:to>
+                                    </p:set>
+                                  </p:childTnLst>
+                                </p:cTn>
+                              </p:par>
+                              <p:par>
+                                <p:cTn id="13" presetID="1" presetClass="entr" presetSubtype="0" fill="hold" grpId="0" nodeType="withEffect">
+                                  <p:stCondLst>
+                                    <p:cond delay="0"/>
+                                  </p:stCondLst>
+                                  <p:childTnLst>
+                                    <p:set>
+                                      <p:cBhvr>
+                                        <p:cTn id="14" dur="1" fill="hold">
+                                          <p:stCondLst>
+                                            <p:cond delay="0"/>
+                                          </p:stCondLst>
+                                        </p:cTn>
+                                        <p:tgtEl>
+                                          <p:spTgt spid="7"/>
+                                        </p:tgtEl>
+                                        <p:attrNameLst>
+                                          <p:attrName>style.visibility</p:attrName>
+                                        </p:attrNameLst>
+                                      </p:cBhvr>
+                                      <p:to>
+                                        <p:strVal val="visible"/>
+                                      </p:to>
+                                    </p:set>
+                                  </p:childTnLst>
+                                </p:cTn>
+                              </p:par>
+                              <p:par>
+                                <p:cTn id="15" presetID="1" presetClass="entr" presetSubtype="0" fill="hold" grpId="0" nodeType="withEffect">
+                                  <p:stCondLst>
+                                    <p:cond delay="0"/>
+                                  </p:stCondLst>
+                                  <p:childTnLst>
+                                    <p:set>
+                                      <p:cBhvr>
+                                        <p:cTn id="16" dur="1" fill="hold">
+                                          <p:stCondLst>
+                                            <p:cond delay="0"/>
+                                          </p:stCondLst>
+                                        </p:cTn>
+                                        <p:tgtEl>
+                                          <p:spTgt spid="8"/>
+                                        </p:tgtEl>
+                                        <p:attrNameLst>
+                                          <p:attrName>style.visibility</p:attrName>
+                                        </p:attrNameLst>
+                                      </p:cBhvr>
+                                      <p:to>
+                                        <p:strVal val="visible"/>
+                                      </p:to>
+                                    </p:set>
+                                  </p:childTnLst>
+                                </p:cTn>
+                              </p:par>
+                              <p:par>
+                                <p:cTn id="17" presetID="1" presetClass="entr" presetSubtype="0" fill="hold" grpId="0" nodeType="withEffect">
+                                  <p:stCondLst>
+                                    <p:cond delay="0"/>
+                                  </p:stCondLst>
+                                  <p:childTnLst>
+                                    <p:set>
+                                      <p:cBhvr>
+                                        <p:cTn id="18" dur="1" fill="hold">
+                                          <p:stCondLst>
+                                            <p:cond delay="0"/>
+                                          </p:stCondLst>
+                                        </p:cTn>
+                                        <p:tgtEl>
+                                          <p:spTgt spid="9"/>
+                                        </p:tgtEl>
+                                        <p:attrNameLst>
+                                          <p:attrName>style.visibility</p:attrName>
+                                        </p:attrNameLst>
+                                      </p:cBhvr>
+                                      <p:to>
+                                        <p:strVal val="visible"/>
+                                      </p:to>
+                                    </p:set>
+                                  </p:childTnLst>
+                                </p:cTn>
+                              </p:par>
+                              <p:par>
+                                <p:cTn id="19" presetID="1" presetClass="entr" presetSubtype="0" fill="hold" grpId="0" nodeType="withEffect">
+                                  <p:stCondLst>
+                                    <p:cond delay="0"/>
+                                  </p:stCondLst>
+                                  <p:childTnLst>
+                                    <p:set>
+                                      <p:cBhvr>
+                                        <p:cTn id="20" dur="1" fill="hold">
+                                          <p:stCondLst>
+                                            <p:cond delay="0"/>
+                                          </p:stCondLst>
+                                        </p:cTn>
+                                        <p:tgtEl>
+                                          <p:spTgt spid="10"/>
+                                        </p:tgtEl>
+                                        <p:attrNameLst>
+                                          <p:attrName>style.visibility</p:attrName>
+                                        </p:attrNameLst>
+                                      </p:cBhvr>
+                                      <p:to>
+                                        <p:strVal val="visible"/>
+                                      </p:to>
+                                    </p:set>
+                                  </p:childTnLst>
+                                </p:cTn>
+                              </p:par>
+                              <p:par>
+                                <p:cTn id="21" presetID="1" presetClass="entr" presetSubtype="0" fill="hold" grpId="0" nodeType="withEffect">
+                                  <p:stCondLst>
+                                    <p:cond delay="0"/>
+                                  </p:stCondLst>
+                                  <p:childTnLst>
+                                    <p:set>
+                                      <p:cBhvr>
+                                        <p:cTn id="22" dur="1" fill="hold">
+                                          <p:stCondLst>
+                                            <p:cond delay="0"/>
+                                          </p:stCondLst>
+                                        </p:cTn>
+                                        <p:tgtEl>
+                                          <p:spTgt spid="11"/>
+                                        </p:tgtEl>
+                                        <p:attrNameLst>
+                                          <p:attrName>style.visibility</p:attrName>
+                                        </p:attrNameLst>
+                                      </p:cBhvr>
+                                      <p:to>
+                                        <p:strVal val="visible"/>
+                                      </p:to>
+                                    </p:set>
+                                  </p:childTnLst>
+                                </p:cTn>
+                              </p:par>
+                              <p:par>
+                                <p:cTn id="23" presetID="1" presetClass="entr" presetSubtype="0" fill="hold" grpId="0" nodeType="withEffect">
+                                  <p:stCondLst>
+                                    <p:cond delay="0"/>
+                                  </p:stCondLst>
+                                  <p:childTnLst>
+                                    <p:set>
+                                      <p:cBhvr>
+                                        <p:cTn id="24" dur="1" fill="hold">
+                                          <p:stCondLst>
+                                            <p:cond delay="0"/>
+                                          </p:stCondLst>
+                                        </p:cTn>
+                                        <p:tgtEl>
+                                          <p:spTgt spid="12"/>
+                                        </p:tgtEl>
+                                        <p:attrNameLst>
+                                          <p:attrName>style.visibility</p:attrName>
+                                        </p:attrNameLst>
+                                      </p:cBhvr>
+                                      <p:to>
+                                        <p:strVal val="visible"/>
+                                      </p:to>
+                                    </p:set>
+                                  </p:childTnLst>
+                                </p:cTn>
+                              </p:par>
+                              <p:par>
+                                <p:cTn id="25" presetID="1" presetClass="entr" presetSubtype="0" fill="hold" grpId="0" nodeType="withEffect">
+                                  <p:stCondLst>
+                                    <p:cond delay="0"/>
+                                  </p:stCondLst>
+                                  <p:childTnLst>
+                                    <p:set>
+                                      <p:cBhvr>
+                                        <p:cTn id="26" dur="1" fill="hold">
+                                          <p:stCondLst>
+                                            <p:cond delay="0"/>
+                                          </p:stCondLst>
+                                        </p:cTn>
+                                        <p:tgtEl>
+                                          <p:spTgt spid="13"/>
+                                        </p:tgtEl>
+                                        <p:attrNameLst>
+                                          <p:attrName>style.visibility</p:attrName>
+                                        </p:attrNameLst>
+                                      </p:cBhvr>
+                                      <p:to>
+                                        <p:strVal val="visible"/>
+                                      </p:to>
+                                    </p:set>
+                                  </p:childTnLst>
+                                </p:cTn>
+                              </p:par>
+                              <p:par>
+                                <p:cTn id="27" presetID="1" presetClass="entr" presetSubtype="0" fill="hold" grpId="0" nodeType="withEffect">
+                                  <p:stCondLst>
+                                    <p:cond delay="0"/>
+                                  </p:stCondLst>
+                                  <p:childTnLst>
+                                    <p:set>
+                                      <p:cBhvr>
+                                        <p:cTn id="28" dur="1" fill="hold">
+                                          <p:stCondLst>
+                                            <p:cond delay="0"/>
+                                          </p:stCondLst>
+                                        </p:cTn>
+                                        <p:tgtEl>
+                                          <p:spTgt spid="14"/>
+                                        </p:tgtEl>
+                                        <p:attrNameLst>
+                                          <p:attrName>style.visibility</p:attrName>
+                                        </p:attrNameLst>
+                                      </p:cBhvr>
+                                      <p:to>
+                                        <p:strVal val="visible"/>
+                                      </p:to>
+                                    </p:set>
+                                  </p:childTnLst>
+                                </p:cTn>
+                              </p:par>
+                              <p:par>
+                                <p:cTn id="29" presetID="1" presetClass="entr" presetSubtype="0" fill="hold" grpId="0" nodeType="withEffect">
+                                  <p:stCondLst>
+                                    <p:cond delay="0"/>
+                                  </p:stCondLst>
+                                  <p:childTnLst>
+                                    <p:set>
+                                      <p:cBhvr>
+                                        <p:cTn id="30" dur="1" fill="hold">
+                                          <p:stCondLst>
+                                            <p:cond delay="0"/>
+                                          </p:stCondLst>
+                                        </p:cTn>
+                                        <p:tgtEl>
+                                          <p:spTgt spid="18"/>
+                                        </p:tgtEl>
+                                        <p:attrNameLst>
+                                          <p:attrName>style.visibility</p:attrName>
+                                        </p:attrNameLst>
+                                      </p:cBhvr>
+                                      <p:to>
+                                        <p:strVal val="visible"/>
+                                      </p:to>
+                                    </p:set>
+                                  </p:childTnLst>
+                                </p:cTn>
+                              </p:par>
+                              <p:par>
+                                <p:cTn id="31" presetID="1" presetClass="entr" presetSubtype="0" fill="hold" grpId="0" nodeType="withEffect">
+                                  <p:stCondLst>
+                                    <p:cond delay="0"/>
+                                  </p:stCondLst>
+                                  <p:childTnLst>
+                                    <p:set>
+                                      <p:cBhvr>
+                                        <p:cTn id="32" dur="1" fill="hold">
+                                          <p:stCondLst>
+                                            <p:cond delay="0"/>
+                                          </p:stCondLst>
+                                        </p:cTn>
+                                        <p:tgtEl>
+                                          <p:spTgt spid="63"/>
+                                        </p:tgtEl>
+                                        <p:attrNameLst>
+                                          <p:attrName>style.visibility</p:attrName>
+                                        </p:attrNameLst>
+                                      </p:cBhvr>
+                                      <p:to>
+                                        <p:strVal val="visible"/>
+                                      </p:to>
+                                    </p:set>
+                                  </p:childTnLst>
+                                </p:cTn>
+                              </p:par>
+                              <p:par>
+                                <p:cTn id="33" presetID="1" presetClass="entr" presetSubtype="0" fill="hold" grpId="0" nodeType="withEffect">
+                                  <p:stCondLst>
+                                    <p:cond delay="0"/>
+                                  </p:stCondLst>
+                                  <p:childTnLst>
+                                    <p:set>
+                                      <p:cBhvr>
+                                        <p:cTn id="34" dur="1" fill="hold">
+                                          <p:stCondLst>
+                                            <p:cond delay="0"/>
+                                          </p:stCondLst>
+                                        </p:cTn>
+                                        <p:tgtEl>
+                                          <p:spTgt spid="64"/>
+                                        </p:tgtEl>
+                                        <p:attrNameLst>
+                                          <p:attrName>style.visibility</p:attrName>
+                                        </p:attrNameLst>
+                                      </p:cBhvr>
+                                      <p:to>
+                                        <p:strVal val="visible"/>
+                                      </p:to>
+                                    </p:set>
+                                  </p:childTnLst>
+                                </p:cTn>
+                              </p:par>
+                              <p:par>
+                                <p:cTn id="35" presetID="1" presetClass="entr" presetSubtype="0" fill="hold" grpId="0" nodeType="withEffect">
+                                  <p:stCondLst>
+                                    <p:cond delay="0"/>
+                                  </p:stCondLst>
+                                  <p:childTnLst>
+                                    <p:set>
+                                      <p:cBhvr>
+                                        <p:cTn id="36" dur="1" fill="hold">
+                                          <p:stCondLst>
+                                            <p:cond delay="0"/>
+                                          </p:stCondLst>
+                                        </p:cTn>
+                                        <p:tgtEl>
+                                          <p:spTgt spid="65"/>
+                                        </p:tgtEl>
+                                        <p:attrNameLst>
+                                          <p:attrName>style.visibility</p:attrName>
+                                        </p:attrNameLst>
+                                      </p:cBhvr>
+                                      <p:to>
+                                        <p:strVal val="visible"/>
+                                      </p:to>
+                                    </p:set>
+                                  </p:childTnLst>
+                                </p:cTn>
+                              </p:par>
+                              <p:par>
+                                <p:cTn id="37" presetID="1" presetClass="entr" presetSubtype="0" fill="hold" grpId="0" nodeType="withEffect">
+                                  <p:stCondLst>
+                                    <p:cond delay="0"/>
+                                  </p:stCondLst>
+                                  <p:childTnLst>
+                                    <p:set>
+                                      <p:cBhvr>
+                                        <p:cTn id="38" dur="1" fill="hold">
+                                          <p:stCondLst>
+                                            <p:cond delay="0"/>
+                                          </p:stCondLst>
+                                        </p:cTn>
+                                        <p:tgtEl>
+                                          <p:spTgt spid="66"/>
+                                        </p:tgtEl>
+                                        <p:attrNameLst>
+                                          <p:attrName>style.visibility</p:attrName>
+                                        </p:attrNameLst>
+                                      </p:cBhvr>
+                                      <p:to>
+                                        <p:strVal val="visible"/>
+                                      </p:to>
+                                    </p:set>
+                                  </p:childTnLst>
+                                </p:cTn>
+                              </p:par>
+                            </p:childTnLst>
+                          </p:cTn>
+                        </p:par>
+                      </p:childTnLst>
+                    </p:cTn>
+                  </p:par>
+                  <p:par>
+                    <p:cTn id="39" fill="hold">
+                      <p:stCondLst>
+                        <p:cond delay="indefinite"/>
+                      </p:stCondLst>
+                      <p:childTnLst>
+                        <p:par>
+                          <p:cTn id="40" fill="hold">
+                            <p:stCondLst>
+                              <p:cond delay="0"/>
+                            </p:stCondLst>
+                            <p:childTnLst>
+                              <p:par>
+                                <p:cTn id="41" presetID="1" presetClass="entr" presetSubtype="0" fill="hold" nodeType="clickEffect">
+                                  <p:stCondLst>
+                                    <p:cond delay="0"/>
+                                  </p:stCondLst>
+                                  <p:childTnLst>
+                                    <p:set>
+                                      <p:cBhvr>
+                                        <p:cTn id="42" dur="1" fill="hold">
+                                          <p:stCondLst>
+                                            <p:cond delay="0"/>
+                                          </p:stCondLst>
+                                        </p:cTn>
+                                        <p:tgtEl>
+                                          <p:spTgt spid="72"/>
+                                        </p:tgtEl>
+                                        <p:attrNameLst>
+                                          <p:attrName>style.visibility</p:attrName>
+                                        </p:attrNameLst>
+                                      </p:cBhvr>
+                                      <p:to>
+                                        <p:strVal val="visible"/>
+                                      </p:to>
+                                    </p:set>
+                                  </p:childTnLst>
+                                </p:cTn>
+                              </p:par>
+                              <p:par>
+                                <p:cTn id="43" presetID="1" presetClass="entr" presetSubtype="0" fill="hold" grpId="0" nodeType="withEffect">
+                                  <p:stCondLst>
+                                    <p:cond delay="0"/>
+                                  </p:stCondLst>
+                                  <p:childTnLst>
+                                    <p:set>
+                                      <p:cBhvr>
+                                        <p:cTn id="44" dur="1" fill="hold">
+                                          <p:stCondLst>
+                                            <p:cond delay="0"/>
+                                          </p:stCondLst>
+                                        </p:cTn>
+                                        <p:tgtEl>
+                                          <p:spTgt spid="73"/>
+                                        </p:tgtEl>
+                                        <p:attrNameLst>
+                                          <p:attrName>style.visibility</p:attrName>
+                                        </p:attrNameLst>
+                                      </p:cBhvr>
+                                      <p:to>
+                                        <p:strVal val="visible"/>
+                                      </p:to>
+                                    </p:set>
+                                  </p:childTnLst>
+                                </p:cTn>
+                              </p:par>
+                            </p:childTnLst>
+                          </p:cTn>
+                        </p:par>
+                      </p:childTnLst>
+                    </p:cTn>
+                  </p:par>
+                </p:childTnLst>
+              </p:cTn>
+              <p:prevCondLst>
+                <p:cond evt="onPrev" delay="0">
+                  <p:tgtEl>
+                    <p:sldTgt/>
+                  </p:tgtEl>
+                </p:cond>
+              </p:prevCondLst>
+              <p:nextCondLst>
+                <p:cond evt="onNext" delay="0">
+                  <p:tgtEl>
+                    <p:sldTgt/>
+                  </p:tgtEl>
+                </p:cond>
+              </p:nextCondLst>
+            </p:seq>
+          </p:childTnLst>
+        </p:cTn>
+      </p:par>
+    </p:tnLst>
+    <p:bldLst>
+      <p:bldP spid="5" grpId="0" animBg="1"/>
+      <p:bldP spid="6" grpId="0" animBg="1"/>
+      <p:bldP spid="7" grpId="0" animBg="1"/>
+      <p:bldP spid="8" grpId="0" animBg="1"/>
+      <p:bldP spid="9" grpId="0" animBg="1"/>
+      <p:bldP spid="10" grpId="0"/>
+      <p:bldP spid="11" grpId="0"/>
+      <p:bldP spid="12" grpId="0"/>
+      <p:bldP spid="13" grpId="0"/>
+      <p:bldP spid="14" grpId="0"/>
+      <p:bldP spid="18" grpId="0"/>
+      <p:bldP spid="61" grpId="0" animBg="1"/>
+      <p:bldP spid="63" grpId="0"/>
+      <p:bldP spid="64" grpId="0"/>
+      <p:bldP spid="65" grpId="0"/>
+      <p:bldP spid="66" grpId="0"/>
+      <p:bldP spid="62" grpId="0" animBg="1"/>
+      <p:bldP spid="73" grpId="0" animBg="1"/>
+    </p:bldLst>
+  </p:timing>
+</p:sld>
+</file>
+
+<file path=ppt/slides/slide5.xml><?xml version="1.0" encoding="utf-8"?>
+<p:sld xmlns:a="http://schemas.openxmlformats.org/drawingml/2006/main" xmlns:r="http://schemas.openxmlformats.org/officeDocument/2006/relationships" xmlns:p="http://schemas.openxmlformats.org/presentationml/2006/main">
+  <p:cSld>
+    <p:spTree>
+      <p:nvGrpSpPr>
+        <p:cNvPr id="1" name=""/>
+        <p:cNvGrpSpPr/>
+        <p:nvPr/>
+      </p:nvGrpSpPr>
+      <p:grpSpPr>
+        <a:xfrm>
+          <a:off x="0" y="0"/>
+          <a:ext cx="0" cy="0"/>
+          <a:chOff x="0" y="0"/>
+          <a:chExt cx="0" cy="0"/>
+        </a:xfrm>
+      </p:grpSpPr>
+      <p:sp>
+        <p:nvSpPr>
+          <p:cNvPr id="3" name="Marcador de pie de página 2"/>
+          <p:cNvSpPr>
+            <a:spLocks noGrp="1"/>
+          </p:cNvSpPr>
+          <p:nvPr>
+            <p:ph type="ftr" sz="quarter" idx="11"/>
+          </p:nvPr>
+        </p:nvSpPr>
+        <p:spPr/>
+        <p:txBody>
+          <a:bodyPr/>
+          <a:lstStyle/>
+          <a:p>
+            <a:r>
+              <a:rPr lang="es-CO" smtClean="0"/>
+              <a:t>Punteros en C++</a:t>
+            </a:r>
+            <a:endParaRPr lang="es-CO"/>
+          </a:p>
+        </p:txBody>
+      </p:sp>
+      <p:sp>
+        <p:nvSpPr>
+          <p:cNvPr id="4" name="Marcador de número de diapositiva 3"/>
+          <p:cNvSpPr>
+            <a:spLocks noGrp="1"/>
+          </p:cNvSpPr>
+          <p:nvPr>
+            <p:ph type="sldNum" sz="quarter" idx="12"/>
+          </p:nvPr>
+        </p:nvSpPr>
+        <p:spPr/>
+        <p:txBody>
+          <a:bodyPr/>
+          <a:lstStyle/>
+          <a:p>
+            <a:fld id="{23FF065C-4BBA-4AE7-BFD5-672B217FF8DE}" type="slidenum">
+              <a:rPr lang="es-CO" smtClean="0"/>
+              <a:t>5</a:t>
+            </a:fld>
+            <a:endParaRPr lang="es-CO"/>
+          </a:p>
+        </p:txBody>
+      </p:sp>
+      <p:sp>
+        <p:nvSpPr>
+          <p:cNvPr id="5" name="CuadroTexto 4"/>
+          <p:cNvSpPr txBox="1"/>
+          <p:nvPr/>
+        </p:nvSpPr>
+        <p:spPr>
+          <a:xfrm>
+            <a:off x="10342995" y="1186542"/>
+            <a:ext cx="1923925" cy="923330"/>
+          </a:xfrm>
+          <a:prstGeom prst="rect">
+            <a:avLst/>
+          </a:prstGeom>
+          <a:solidFill>
+            <a:schemeClr val="bg1"/>
+          </a:solidFill>
+        </p:spPr>
+        <p:txBody>
+          <a:bodyPr wrap="none" rtlCol="0">
+            <a:spAutoFit/>
+          </a:bodyPr>
+          <a:lstStyle/>
+          <a:p>
+            <a:r>
+              <a:rPr lang="es-ES" smtClean="0"/>
+              <a:t>int num 	= 20;</a:t>
+            </a:r>
+          </a:p>
+          <a:p>
+            <a:r>
+              <a:rPr lang="es-ES" smtClean="0"/>
+              <a:t>int *dir_num;</a:t>
+            </a:r>
+          </a:p>
+          <a:p>
+            <a:r>
+              <a:rPr lang="es-ES" smtClean="0"/>
+              <a:t>dir_num 	= &amp;num:</a:t>
+            </a:r>
+            <a:endParaRPr lang="es-CO"/>
+          </a:p>
+        </p:txBody>
+      </p:sp>
+      <p:sp>
+        <p:nvSpPr>
+          <p:cNvPr id="6" name="Rectángulo 5"/>
+          <p:cNvSpPr/>
+          <p:nvPr/>
+        </p:nvSpPr>
+        <p:spPr>
+          <a:xfrm>
+            <a:off x="3578367" y="1371208"/>
+            <a:ext cx="1399310" cy="471054"/>
+          </a:xfrm>
+          <a:prstGeom prst="rect">
+            <a:avLst/>
+          </a:prstGeom>
+          <a:solidFill>
+            <a:schemeClr val="bg1"/>
+          </a:solidFill>
+          <a:ln>
+            <a:solidFill>
+              <a:schemeClr val="tx1"/>
+            </a:solidFill>
+          </a:ln>
+        </p:spPr>
+        <p:style>
+          <a:lnRef idx="2">
+            <a:schemeClr val="accent1">
+              <a:shade val="50000"/>
+            </a:schemeClr>
+          </a:lnRef>
+          <a:fillRef idx="1">
+            <a:schemeClr val="accent1"/>
+          </a:fillRef>
+          <a:effectRef idx="0">
+            <a:schemeClr val="accent1"/>
+          </a:effectRef>
+          <a:fontRef idx="minor">
+            <a:schemeClr val="lt1"/>
+          </a:fontRef>
+        </p:style>
+        <p:txBody>
+          <a:bodyPr rtlCol="0" anchor="ctr"/>
+          <a:lstStyle/>
+          <a:p>
+            <a:pPr algn="ctr"/>
+            <a:r>
+              <a:rPr lang="es-ES" smtClean="0">
+                <a:solidFill>
+                  <a:schemeClr val="tx1"/>
+                </a:solidFill>
+              </a:rPr>
+              <a:t>0x22FE3C</a:t>
+            </a:r>
+            <a:endParaRPr lang="es-CO">
+              <a:solidFill>
+                <a:schemeClr val="tx1"/>
+              </a:solidFill>
+            </a:endParaRPr>
+          </a:p>
+        </p:txBody>
+      </p:sp>
+      <p:sp>
+        <p:nvSpPr>
+          <p:cNvPr id="7" name="Rectángulo 6"/>
+          <p:cNvSpPr/>
+          <p:nvPr/>
+        </p:nvSpPr>
+        <p:spPr>
+          <a:xfrm>
+            <a:off x="6282959" y="1371208"/>
+            <a:ext cx="1399310" cy="471054"/>
+          </a:xfrm>
+          <a:prstGeom prst="rect">
+            <a:avLst/>
+          </a:prstGeom>
+          <a:solidFill>
+            <a:schemeClr val="bg1"/>
+          </a:solidFill>
+          <a:ln>
+            <a:solidFill>
+              <a:schemeClr val="tx1"/>
+            </a:solidFill>
+          </a:ln>
+        </p:spPr>
+        <p:style>
+          <a:lnRef idx="2">
+            <a:schemeClr val="accent1">
+              <a:shade val="50000"/>
+            </a:schemeClr>
+          </a:lnRef>
+          <a:fillRef idx="1">
+            <a:schemeClr val="accent1"/>
+          </a:fillRef>
+          <a:effectRef idx="0">
+            <a:schemeClr val="accent1"/>
+          </a:effectRef>
+          <a:fontRef idx="minor">
+            <a:schemeClr val="lt1"/>
+          </a:fontRef>
+        </p:style>
+        <p:txBody>
+          <a:bodyPr rtlCol="0" anchor="ctr"/>
+          <a:lstStyle/>
+          <a:p>
+            <a:pPr algn="ctr"/>
+            <a:r>
+              <a:rPr lang="es-ES" smtClean="0">
+                <a:solidFill>
+                  <a:schemeClr val="tx1"/>
+                </a:solidFill>
+              </a:rPr>
+              <a:t>20</a:t>
+            </a:r>
+            <a:endParaRPr lang="es-CO">
+              <a:solidFill>
+                <a:schemeClr val="tx1"/>
+              </a:solidFill>
+            </a:endParaRPr>
+          </a:p>
+        </p:txBody>
+      </p:sp>
+      <p:sp>
+        <p:nvSpPr>
+          <p:cNvPr id="8" name="Rectángulo 7"/>
+          <p:cNvSpPr/>
+          <p:nvPr/>
+        </p:nvSpPr>
+        <p:spPr>
+          <a:xfrm>
+            <a:off x="6435829" y="1842262"/>
+            <a:ext cx="1093569" cy="369332"/>
+          </a:xfrm>
+          <a:prstGeom prst="rect">
+            <a:avLst/>
+          </a:prstGeom>
+        </p:spPr>
+        <p:txBody>
+          <a:bodyPr wrap="none">
+            <a:spAutoFit/>
+          </a:bodyPr>
+          <a:lstStyle/>
+          <a:p>
+            <a:pPr algn="ctr"/>
+            <a:r>
+              <a:rPr lang="es-ES" smtClean="0">
+                <a:solidFill>
+                  <a:schemeClr val="tx1"/>
+                </a:solidFill>
+              </a:rPr>
+              <a:t>0x22FE3C</a:t>
+            </a:r>
+            <a:endParaRPr lang="es-CO"/>
+          </a:p>
+        </p:txBody>
+      </p:sp>
+      <p:sp>
+        <p:nvSpPr>
+          <p:cNvPr id="9" name="Rectángulo 8"/>
+          <p:cNvSpPr/>
+          <p:nvPr/>
+        </p:nvSpPr>
+        <p:spPr>
+          <a:xfrm>
+            <a:off x="3519190" y="1842262"/>
+            <a:ext cx="1087157" cy="369332"/>
+          </a:xfrm>
+          <a:prstGeom prst="rect">
+            <a:avLst/>
+          </a:prstGeom>
+        </p:spPr>
+        <p:txBody>
+          <a:bodyPr wrap="none">
+            <a:spAutoFit/>
+          </a:bodyPr>
+          <a:lstStyle/>
+          <a:p>
+            <a:pPr algn="ctr"/>
+            <a:r>
+              <a:rPr lang="es-ES" smtClean="0">
+                <a:solidFill>
+                  <a:schemeClr val="tx1"/>
+                </a:solidFill>
+              </a:rPr>
+              <a:t>0x22FE30</a:t>
+            </a:r>
+            <a:endParaRPr lang="es-CO"/>
+          </a:p>
+        </p:txBody>
+      </p:sp>
+      <p:sp>
+        <p:nvSpPr>
+          <p:cNvPr id="10" name="Rectángulo 9"/>
+          <p:cNvSpPr/>
+          <p:nvPr/>
+        </p:nvSpPr>
+        <p:spPr>
+          <a:xfrm>
+            <a:off x="6457950" y="1001876"/>
+            <a:ext cx="1049326" cy="369332"/>
+          </a:xfrm>
+          <a:prstGeom prst="rect">
+            <a:avLst/>
+          </a:prstGeom>
+        </p:spPr>
+        <p:txBody>
+          <a:bodyPr wrap="square">
+            <a:spAutoFit/>
+          </a:bodyPr>
+          <a:lstStyle/>
+          <a:p>
+            <a:pPr algn="ctr"/>
+            <a:r>
+              <a:rPr lang="es-ES" b="1" smtClean="0">
+                <a:solidFill>
+                  <a:schemeClr val="tx1"/>
+                </a:solidFill>
+              </a:rPr>
+              <a:t>num</a:t>
+            </a:r>
+            <a:endParaRPr lang="es-CO" b="1"/>
+          </a:p>
+        </p:txBody>
+      </p:sp>
+      <p:sp>
+        <p:nvSpPr>
+          <p:cNvPr id="11" name="Rectángulo 10"/>
+          <p:cNvSpPr/>
+          <p:nvPr/>
+        </p:nvSpPr>
+        <p:spPr>
+          <a:xfrm>
+            <a:off x="3538105" y="1001876"/>
+            <a:ext cx="1049326" cy="369332"/>
+          </a:xfrm>
+          <a:prstGeom prst="rect">
+            <a:avLst/>
+          </a:prstGeom>
+        </p:spPr>
+        <p:txBody>
+          <a:bodyPr wrap="square">
+            <a:spAutoFit/>
+          </a:bodyPr>
+          <a:lstStyle/>
+          <a:p>
+            <a:pPr algn="ctr"/>
+            <a:r>
+              <a:rPr lang="es-ES" b="1" smtClean="0">
+                <a:solidFill>
+                  <a:schemeClr val="tx1"/>
+                </a:solidFill>
+              </a:rPr>
+              <a:t>dir_num</a:t>
+            </a:r>
+            <a:endParaRPr lang="es-CO" b="1"/>
+          </a:p>
+        </p:txBody>
+      </p:sp>
+      <p:cxnSp>
+        <p:nvCxnSpPr>
+          <p:cNvPr id="13" name="Conector angular 12"/>
+          <p:cNvCxnSpPr>
+            <a:stCxn id="6" idx="3"/>
+            <a:endCxn id="8" idx="1"/>
+          </p:cNvCxnSpPr>
+          <p:nvPr/>
+        </p:nvCxnSpPr>
+        <p:spPr>
+          <a:xfrm>
+            <a:off x="4977677" y="1606735"/>
+            <a:ext cx="1458152" cy="420193"/>
+          </a:xfrm>
+          <a:prstGeom prst="bentConnector3">
+            <a:avLst/>
+          </a:prstGeom>
+          <a:ln>
+            <a:solidFill>
+              <a:schemeClr val="tx1"/>
+            </a:solidFill>
+            <a:tailEnd type="triangle" w="lg" len="med"/>
+          </a:ln>
+        </p:spPr>
+        <p:style>
+          <a:lnRef idx="1">
+            <a:schemeClr val="accent1"/>
+          </a:lnRef>
+          <a:fillRef idx="0">
+            <a:schemeClr val="accent1"/>
+          </a:fillRef>
+          <a:effectRef idx="0">
+            <a:schemeClr val="accent1"/>
+          </a:effectRef>
+          <a:fontRef idx="minor">
+            <a:schemeClr val="tx1"/>
+          </a:fontRef>
+        </p:style>
+      </p:cxnSp>
+      <p:sp>
+        <p:nvSpPr>
+          <p:cNvPr id="14" name="CuadroTexto 13"/>
+          <p:cNvSpPr txBox="1"/>
+          <p:nvPr/>
+        </p:nvSpPr>
+        <p:spPr>
+          <a:xfrm>
+            <a:off x="304800" y="327954"/>
+            <a:ext cx="1781642" cy="461665"/>
+          </a:xfrm>
+          <a:prstGeom prst="rect">
+            <a:avLst/>
+          </a:prstGeom>
+          <a:noFill/>
+        </p:spPr>
+        <p:txBody>
+          <a:bodyPr wrap="none" rtlCol="0">
+            <a:spAutoFit/>
+          </a:bodyPr>
+          <a:lstStyle/>
+          <a:p>
+            <a:r>
+              <a:rPr lang="es-ES" sz="2400" b="1" smtClean="0"/>
+              <a:t>Script N.º </a:t>
+            </a:r>
+            <a:r>
+              <a:rPr lang="es-ES" sz="2400" b="1" smtClean="0"/>
+              <a:t>10</a:t>
+            </a:r>
+            <a:endParaRPr lang="es-CO" sz="2400" b="1"/>
+          </a:p>
+        </p:txBody>
+      </p:sp>
+      <p:sp>
+        <p:nvSpPr>
+          <p:cNvPr id="15" name="Rectángulo 14"/>
+          <p:cNvSpPr/>
+          <p:nvPr/>
+        </p:nvSpPr>
+        <p:spPr>
+          <a:xfrm>
+            <a:off x="873776" y="1371208"/>
+            <a:ext cx="1399310" cy="471054"/>
+          </a:xfrm>
+          <a:prstGeom prst="rect">
+            <a:avLst/>
+          </a:prstGeom>
+          <a:solidFill>
+            <a:schemeClr val="bg1"/>
+          </a:solidFill>
+          <a:ln>
+            <a:solidFill>
+              <a:schemeClr val="tx1"/>
+            </a:solidFill>
+          </a:ln>
+        </p:spPr>
+        <p:style>
+          <a:lnRef idx="2">
+            <a:schemeClr val="accent1">
+              <a:shade val="50000"/>
+            </a:schemeClr>
+          </a:lnRef>
+          <a:fillRef idx="1">
+            <a:schemeClr val="accent1"/>
+          </a:fillRef>
+          <a:effectRef idx="0">
+            <a:schemeClr val="accent1"/>
+          </a:effectRef>
+          <a:fontRef idx="minor">
+            <a:schemeClr val="lt1"/>
+          </a:fontRef>
+        </p:style>
+        <p:txBody>
+          <a:bodyPr rtlCol="0" anchor="ctr"/>
+          <a:lstStyle/>
+          <a:p>
+            <a:pPr algn="ctr"/>
+            <a:r>
+              <a:rPr lang="es-ES" smtClean="0">
+                <a:solidFill>
+                  <a:schemeClr val="tx1"/>
+                </a:solidFill>
+              </a:rPr>
+              <a:t>0x22FE3C</a:t>
+            </a:r>
+            <a:endParaRPr lang="es-CO">
+              <a:solidFill>
+                <a:schemeClr val="tx1"/>
+              </a:solidFill>
+            </a:endParaRPr>
+          </a:p>
+        </p:txBody>
+      </p:sp>
+      <p:sp>
+        <p:nvSpPr>
+          <p:cNvPr id="16" name="Rectángulo 15"/>
+          <p:cNvSpPr/>
+          <p:nvPr/>
+        </p:nvSpPr>
+        <p:spPr>
+          <a:xfrm>
+            <a:off x="1029853" y="1842262"/>
+            <a:ext cx="1087157" cy="369332"/>
+          </a:xfrm>
+          <a:prstGeom prst="rect">
+            <a:avLst/>
+          </a:prstGeom>
+        </p:spPr>
+        <p:txBody>
+          <a:bodyPr wrap="none">
+            <a:spAutoFit/>
+          </a:bodyPr>
+          <a:lstStyle/>
+          <a:p>
+            <a:pPr algn="ctr"/>
+            <a:r>
+              <a:rPr lang="es-ES" smtClean="0">
+                <a:solidFill>
+                  <a:schemeClr val="tx1"/>
+                </a:solidFill>
+              </a:rPr>
+              <a:t>0x22FE30</a:t>
+            </a:r>
+            <a:endParaRPr lang="es-CO"/>
+          </a:p>
+        </p:txBody>
+      </p:sp>
+      <p:sp>
+        <p:nvSpPr>
+          <p:cNvPr id="17" name="Rectángulo 16"/>
+          <p:cNvSpPr/>
+          <p:nvPr/>
+        </p:nvSpPr>
+        <p:spPr>
+          <a:xfrm>
+            <a:off x="1048768" y="1001876"/>
+            <a:ext cx="1049326" cy="369332"/>
+          </a:xfrm>
+          <a:prstGeom prst="rect">
+            <a:avLst/>
+          </a:prstGeom>
+        </p:spPr>
+        <p:txBody>
+          <a:bodyPr wrap="square">
+            <a:spAutoFit/>
+          </a:bodyPr>
+          <a:lstStyle/>
+          <a:p>
+            <a:pPr algn="ctr"/>
+            <a:r>
+              <a:rPr lang="es-ES" b="1" smtClean="0">
+                <a:solidFill>
+                  <a:schemeClr val="tx1"/>
+                </a:solidFill>
+              </a:rPr>
+              <a:t>**M</a:t>
+            </a:r>
+            <a:endParaRPr lang="es-CO" b="1"/>
+          </a:p>
+        </p:txBody>
+      </p:sp>
+      <p:cxnSp>
+        <p:nvCxnSpPr>
+          <p:cNvPr id="18" name="Conector angular 17"/>
+          <p:cNvCxnSpPr>
+            <a:stCxn id="15" idx="3"/>
+            <a:endCxn id="9" idx="1"/>
+          </p:cNvCxnSpPr>
+          <p:nvPr/>
+        </p:nvCxnSpPr>
+        <p:spPr>
+          <a:xfrm>
+            <a:off x="2273086" y="1606735"/>
+            <a:ext cx="1246104" cy="420193"/>
+          </a:xfrm>
+          <a:prstGeom prst="bentConnector3">
+            <a:avLst/>
+          </a:prstGeom>
+          <a:ln>
+            <a:solidFill>
+              <a:schemeClr val="tx1"/>
+            </a:solidFill>
+            <a:tailEnd type="triangle" w="lg" len="med"/>
+          </a:ln>
+        </p:spPr>
+        <p:style>
+          <a:lnRef idx="1">
+            <a:schemeClr val="accent1"/>
+          </a:lnRef>
+          <a:fillRef idx="0">
+            <a:schemeClr val="accent1"/>
+          </a:fillRef>
+          <a:effectRef idx="0">
+            <a:schemeClr val="accent1"/>
+          </a:effectRef>
+          <a:fontRef idx="minor">
+            <a:schemeClr val="tx1"/>
+          </a:fontRef>
+        </p:style>
+      </p:cxnSp>
+    </p:spTree>
+    <p:extLst>
+      <p:ext uri="{BB962C8B-B14F-4D97-AF65-F5344CB8AC3E}">
+        <p14:creationId xmlns:p14="http://schemas.microsoft.com/office/powerpoint/2010/main" val="2217273037"/>
+      </p:ext>
+    </p:extLst>
+  </p:cSld>
+  <p:clrMapOvr>
+    <a:masterClrMapping/>
+  </p:clrMapOvr>
+  <p:timing>
+    <p:tnLst>
+      <p:par>
+        <p:cTn id="1" dur="indefinite" restart="never" nodeType="tmRoot"/>
+      </p:par>
+    </p:tnLst>
   </p:timing>
 </p:sld>
 </file>
